--- a/week4/slides.pptx
+++ b/week4/slides.pptx
@@ -6,20 +6,10 @@
   </p:sldMasterIdLst>
   <p:sldIdLst>
     <p:sldId id="256" r:id="rId2"/>
-    <p:sldId id="273" r:id="rId3"/>
-    <p:sldId id="283" r:id="rId4"/>
-    <p:sldId id="275" r:id="rId5"/>
-    <p:sldId id="280" r:id="rId6"/>
-    <p:sldId id="281" r:id="rId7"/>
-    <p:sldId id="282" r:id="rId8"/>
-    <p:sldId id="276" r:id="rId9"/>
-    <p:sldId id="277" r:id="rId10"/>
-    <p:sldId id="278" r:id="rId11"/>
-    <p:sldId id="279" r:id="rId12"/>
-    <p:sldId id="268" r:id="rId13"/>
-    <p:sldId id="271" r:id="rId14"/>
-    <p:sldId id="270" r:id="rId15"/>
-    <p:sldId id="272" r:id="rId16"/>
+    <p:sldId id="268" r:id="rId3"/>
+    <p:sldId id="271" r:id="rId4"/>
+    <p:sldId id="270" r:id="rId5"/>
+    <p:sldId id="272" r:id="rId6"/>
   </p:sldIdLst>
   <p:sldSz cx="12192000" cy="6858000"/>
   <p:notesSz cx="6858000" cy="9144000"/>
@@ -970,7 +960,7 @@
         <a:p>
           <a:r>
             <a:rPr lang="en-US" dirty="0"/>
-            <a:t>Review HW1</a:t>
+            <a:t>Review HW2</a:t>
           </a:r>
         </a:p>
       </dgm:t>
@@ -1045,7 +1035,7 @@
         <a:p>
           <a:r>
             <a:rPr lang="en-US" dirty="0"/>
-            <a:t>Similarity, Distance, PMI</a:t>
+            <a:t>Regex and Pandas</a:t>
           </a:r>
         </a:p>
       </dgm:t>
@@ -1120,7 +1110,7 @@
         <a:p>
           <a:r>
             <a:rPr lang="en-US" dirty="0"/>
-            <a:t>Exercise 1: Distance / Similarity</a:t>
+            <a:t>Exercise 1: Regex</a:t>
           </a:r>
         </a:p>
       </dgm:t>
@@ -1159,7 +1149,7 @@
           </a:pPr>
           <a:r>
             <a:rPr lang="en-US" dirty="0"/>
-            <a:t>7:30 – 8:00</a:t>
+            <a:t>7:30 – 7:45</a:t>
           </a:r>
         </a:p>
       </dgm:t>
@@ -1195,13 +1185,8 @@
         <a:p>
           <a:r>
             <a:rPr lang="en-US" dirty="0"/>
-            <a:t>Regular</a:t>
+            <a:t>Wrap Up TF-IDF</a:t>
           </a:r>
-          <a:r>
-            <a:rPr lang="en-US" baseline="0" dirty="0"/>
-            <a:t> Expressions</a:t>
-          </a:r>
-          <a:endParaRPr lang="en-US" dirty="0"/>
         </a:p>
       </dgm:t>
     </dgm:pt>
@@ -1239,7 +1224,7 @@
           </a:pPr>
           <a:r>
             <a:rPr lang="en-US" dirty="0"/>
-            <a:t>8:00 – 8:15</a:t>
+            <a:t>7:45 – 8:00</a:t>
           </a:r>
         </a:p>
       </dgm:t>
@@ -1275,7 +1260,7 @@
         <a:p>
           <a:r>
             <a:rPr lang="en-US" dirty="0"/>
-            <a:t>Exercise II: Regex Parsing</a:t>
+            <a:t>Exercise II: TF-IDF</a:t>
           </a:r>
         </a:p>
       </dgm:t>
@@ -1314,7 +1299,7 @@
           </a:pPr>
           <a:r>
             <a:rPr lang="en-US" dirty="0"/>
-            <a:t>8:15 – 8:20</a:t>
+            <a:t>8:00-8:30</a:t>
           </a:r>
         </a:p>
       </dgm:t>
@@ -1350,7 +1335,7 @@
         <a:p>
           <a:r>
             <a:rPr lang="en-US" dirty="0"/>
-            <a:t>Break</a:t>
+            <a:t>Logistic Regression and Text Classification</a:t>
           </a:r>
         </a:p>
       </dgm:t>
@@ -1389,7 +1374,7 @@
           </a:pPr>
           <a:r>
             <a:rPr lang="en-US" dirty="0"/>
-            <a:t>8:20 – 8:50</a:t>
+            <a:t>8:30-8:35</a:t>
           </a:r>
         </a:p>
       </dgm:t>
@@ -1425,7 +1410,7 @@
         <a:p>
           <a:r>
             <a:rPr lang="en-US" dirty="0"/>
-            <a:t>Perplexity and Likelihood, N-Grams</a:t>
+            <a:t>Break</a:t>
           </a:r>
         </a:p>
       </dgm:t>
@@ -1500,7 +1485,7 @@
         <a:p>
           <a:r>
             <a:rPr lang="en-US" dirty="0"/>
-            <a:t>HW</a:t>
+            <a:t>Midterm Overview</a:t>
           </a:r>
         </a:p>
       </dgm:t>
@@ -1614,7 +1599,7 @@
           </a:pPr>
           <a:r>
             <a:rPr lang="en-US" dirty="0"/>
-            <a:t>8:50-9:10</a:t>
+            <a:t>8:35-9:00</a:t>
           </a:r>
         </a:p>
       </dgm:t>
@@ -1650,7 +1635,7 @@
         <a:p>
           <a:r>
             <a:rPr lang="en-US" dirty="0"/>
-            <a:t>TF-IDF</a:t>
+            <a:t>Word Embeddings</a:t>
           </a:r>
         </a:p>
       </dgm:t>
@@ -2716,7 +2701,7 @@
           </a:pPr>
           <a:r>
             <a:rPr lang="en-US" sz="1500" kern="1200" dirty="0"/>
-            <a:t>Review HW1</a:t>
+            <a:t>Review HW2</a:t>
           </a:r>
         </a:p>
       </dsp:txBody>
@@ -2851,7 +2836,7 @@
       <dsp:spPr>
         <a:xfrm>
           <a:off x="1127338" y="2537984"/>
-          <a:ext cx="1763068" cy="694842"/>
+          <a:ext cx="1763068" cy="486389"/>
         </a:xfrm>
         <a:prstGeom prst="rect">
           <a:avLst/>
@@ -2913,13 +2898,13 @@
           </a:pPr>
           <a:r>
             <a:rPr lang="en-US" sz="1500" kern="1200" dirty="0"/>
-            <a:t>Similarity, Distance, PMI</a:t>
+            <a:t>Regex and Pandas</a:t>
           </a:r>
         </a:p>
       </dsp:txBody>
       <dsp:txXfrm>
         <a:off x="1127338" y="2537984"/>
-        <a:ext cx="1763068" cy="694842"/>
+        <a:ext cx="1763068" cy="486389"/>
       </dsp:txXfrm>
     </dsp:sp>
     <dsp:sp modelId="{AAF71D0A-EDA1-9D46-9D4A-79946F543362}">
@@ -3145,8 +3130,8 @@
       </dsp:nvSpPr>
       <dsp:spPr>
         <a:xfrm>
-          <a:off x="2129081" y="250855"/>
-          <a:ext cx="1763068" cy="889397"/>
+          <a:off x="2129081" y="653864"/>
+          <a:ext cx="1763068" cy="486389"/>
         </a:xfrm>
         <a:prstGeom prst="rect">
           <a:avLst/>
@@ -3208,13 +3193,13 @@
           </a:pPr>
           <a:r>
             <a:rPr lang="en-US" sz="1500" kern="1200" dirty="0"/>
-            <a:t>Exercise 1: Distance / Similarity</a:t>
+            <a:t>Exercise 1: Regex</a:t>
           </a:r>
         </a:p>
       </dsp:txBody>
       <dsp:txXfrm>
-        <a:off x="2129081" y="250855"/>
-        <a:ext cx="1763068" cy="889397"/>
+        <a:off x="2129081" y="653864"/>
+        <a:ext cx="1763068" cy="486389"/>
       </dsp:txXfrm>
     </dsp:sp>
     <dsp:sp modelId="{E80CAB82-90E5-A34A-97E5-D162134ACAF2}">
@@ -3621,7 +3606,7 @@
           </a:pPr>
           <a:r>
             <a:rPr lang="en-US" sz="1800" kern="1200" dirty="0"/>
-            <a:t>7:30 – 8:00</a:t>
+            <a:t>7:30 – 7:45</a:t>
           </a:r>
         </a:p>
       </dsp:txBody>
@@ -3637,8 +3622,8 @@
       </dsp:nvSpPr>
       <dsp:spPr>
         <a:xfrm>
-          <a:off x="4132568" y="445411"/>
-          <a:ext cx="1763068" cy="694842"/>
+          <a:off x="4132568" y="653864"/>
+          <a:ext cx="1763068" cy="486389"/>
         </a:xfrm>
         <a:prstGeom prst="rect">
           <a:avLst/>
@@ -3700,18 +3685,13 @@
           </a:pPr>
           <a:r>
             <a:rPr lang="en-US" sz="1500" kern="1200" dirty="0"/>
-            <a:t>Regular</a:t>
+            <a:t>Wrap Up TF-IDF</a:t>
           </a:r>
-          <a:r>
-            <a:rPr lang="en-US" sz="1500" kern="1200" baseline="0" dirty="0"/>
-            <a:t> Expressions</a:t>
-          </a:r>
-          <a:endParaRPr lang="en-US" sz="1500" kern="1200" dirty="0"/>
         </a:p>
       </dsp:txBody>
       <dsp:txXfrm>
-        <a:off x="4132568" y="445411"/>
-        <a:ext cx="1763068" cy="694842"/>
+        <a:off x="4132568" y="653864"/>
+        <a:ext cx="1763068" cy="486389"/>
       </dsp:txXfrm>
     </dsp:sp>
     <dsp:sp modelId="{14919DA7-2AF0-6B49-AE4D-BBFB5951E495}">
@@ -3823,7 +3803,7 @@
           </a:pPr>
           <a:r>
             <a:rPr lang="en-US" sz="1800" kern="1200" dirty="0"/>
-            <a:t>8:00 – 8:15</a:t>
+            <a:t>7:45 – 8:00</a:t>
           </a:r>
         </a:p>
       </dsp:txBody>
@@ -3840,7 +3820,7 @@
       <dsp:spPr>
         <a:xfrm>
           <a:off x="5134312" y="2537984"/>
-          <a:ext cx="1763068" cy="694842"/>
+          <a:ext cx="1763068" cy="486389"/>
         </a:xfrm>
         <a:prstGeom prst="rect">
           <a:avLst/>
@@ -3902,13 +3882,13 @@
           </a:pPr>
           <a:r>
             <a:rPr lang="en-US" sz="1500" kern="1200" dirty="0"/>
-            <a:t>Exercise II: Regex Parsing</a:t>
+            <a:t>Exercise II: TF-IDF</a:t>
           </a:r>
         </a:p>
       </dsp:txBody>
       <dsp:txXfrm>
         <a:off x="5134312" y="2537984"/>
-        <a:ext cx="1763068" cy="694842"/>
+        <a:ext cx="1763068" cy="486389"/>
       </dsp:txXfrm>
     </dsp:sp>
     <dsp:sp modelId="{0F90F0CE-2587-5E48-B021-13227B9C23AE}">
@@ -4118,7 +4098,7 @@
           </a:pPr>
           <a:r>
             <a:rPr lang="en-US" sz="1800" kern="1200" dirty="0"/>
-            <a:t>8:15 – 8:20</a:t>
+            <a:t>8:00-8:30</a:t>
           </a:r>
         </a:p>
       </dsp:txBody>
@@ -4134,8 +4114,8 @@
       </dsp:nvSpPr>
       <dsp:spPr>
         <a:xfrm>
-          <a:off x="6136055" y="653864"/>
-          <a:ext cx="1763068" cy="486389"/>
+          <a:off x="6136055" y="250855"/>
+          <a:ext cx="1763068" cy="889397"/>
         </a:xfrm>
         <a:prstGeom prst="rect">
           <a:avLst/>
@@ -4197,13 +4177,13 @@
           </a:pPr>
           <a:r>
             <a:rPr lang="en-US" sz="1500" kern="1200" dirty="0"/>
-            <a:t>Break</a:t>
+            <a:t>Logistic Regression and Text Classification</a:t>
           </a:r>
         </a:p>
       </dsp:txBody>
       <dsp:txXfrm>
-        <a:off x="6136055" y="653864"/>
-        <a:ext cx="1763068" cy="486389"/>
+        <a:off x="6136055" y="250855"/>
+        <a:ext cx="1763068" cy="889397"/>
       </dsp:txXfrm>
     </dsp:sp>
     <dsp:sp modelId="{C3E20828-B9A2-074B-806A-A57DE5E9F012}">
@@ -4315,7 +4295,7 @@
           </a:pPr>
           <a:r>
             <a:rPr lang="en-US" sz="1800" kern="1200" dirty="0"/>
-            <a:t>8:20 – 8:50</a:t>
+            <a:t>8:30-8:35</a:t>
           </a:r>
         </a:p>
       </dsp:txBody>
@@ -4332,7 +4312,7 @@
       <dsp:spPr>
         <a:xfrm>
           <a:off x="7137799" y="2537984"/>
-          <a:ext cx="1763068" cy="889397"/>
+          <a:ext cx="1763068" cy="486389"/>
         </a:xfrm>
         <a:prstGeom prst="rect">
           <a:avLst/>
@@ -4394,13 +4374,13 @@
           </a:pPr>
           <a:r>
             <a:rPr lang="en-US" sz="1500" kern="1200" dirty="0"/>
-            <a:t>Perplexity and Likelihood, N-Grams</a:t>
+            <a:t>Break</a:t>
           </a:r>
         </a:p>
       </dsp:txBody>
       <dsp:txXfrm>
         <a:off x="7137799" y="2537984"/>
-        <a:ext cx="1763068" cy="889397"/>
+        <a:ext cx="1763068" cy="486389"/>
       </dsp:txXfrm>
     </dsp:sp>
     <dsp:sp modelId="{945C20F7-19F5-E14B-BE71-4C38B77EEC76}">
@@ -4610,7 +4590,7 @@
           </a:pPr>
           <a:r>
             <a:rPr lang="en-US" sz="1800" kern="1200" dirty="0"/>
-            <a:t>8:50-9:10</a:t>
+            <a:t>8:35-9:00</a:t>
           </a:r>
         </a:p>
       </dsp:txBody>
@@ -4689,7 +4669,7 @@
           </a:pPr>
           <a:r>
             <a:rPr lang="en-US" sz="1500" kern="1200" dirty="0"/>
-            <a:t>TF-IDF</a:t>
+            <a:t>Word Embeddings</a:t>
           </a:r>
         </a:p>
       </dsp:txBody>
@@ -4886,7 +4866,7 @@
           </a:pPr>
           <a:r>
             <a:rPr lang="en-US" sz="1500" kern="1200" dirty="0"/>
-            <a:t>HW</a:t>
+            <a:t>Midterm Overview</a:t>
           </a:r>
         </a:p>
       </dsp:txBody>
@@ -6684,7 +6664,7 @@
             <a:fld id="{B61BEF0D-F0BB-DE4B-95CE-6DB70DBA9567}" type="datetimeFigureOut">
               <a:rPr lang="en-US" dirty="0"/>
               <a:pPr/>
-              <a:t>3/26/19</a:t>
+              <a:t>4/2/19</a:t>
             </a:fld>
             <a:endParaRPr lang="en-US" dirty="0"/>
           </a:p>
@@ -6943,7 +6923,7 @@
             <a:fld id="{B61BEF0D-F0BB-DE4B-95CE-6DB70DBA9567}" type="datetimeFigureOut">
               <a:rPr lang="en-US" dirty="0"/>
               <a:pPr/>
-              <a:t>3/26/19</a:t>
+              <a:t>4/2/19</a:t>
             </a:fld>
             <a:endParaRPr lang="en-US" dirty="0"/>
           </a:p>
@@ -7175,7 +7155,7 @@
             <a:fld id="{B61BEF0D-F0BB-DE4B-95CE-6DB70DBA9567}" type="datetimeFigureOut">
               <a:rPr lang="en-US" dirty="0"/>
               <a:pPr/>
-              <a:t>3/26/19</a:t>
+              <a:t>4/2/19</a:t>
             </a:fld>
             <a:endParaRPr lang="en-US" dirty="0"/>
           </a:p>
@@ -7412,7 +7392,7 @@
             <a:fld id="{B61BEF0D-F0BB-DE4B-95CE-6DB70DBA9567}" type="datetimeFigureOut">
               <a:rPr lang="en-US" dirty="0"/>
               <a:pPr/>
-              <a:t>3/26/19</a:t>
+              <a:t>4/2/19</a:t>
             </a:fld>
             <a:endParaRPr lang="en-US" dirty="0"/>
           </a:p>
@@ -7716,7 +7696,7 @@
             <a:fld id="{B61BEF0D-F0BB-DE4B-95CE-6DB70DBA9567}" type="datetimeFigureOut">
               <a:rPr lang="en-US" dirty="0"/>
               <a:pPr/>
-              <a:t>3/26/19</a:t>
+              <a:t>4/2/19</a:t>
             </a:fld>
             <a:endParaRPr lang="en-US" dirty="0"/>
           </a:p>
@@ -8015,7 +7995,7 @@
             <a:fld id="{B61BEF0D-F0BB-DE4B-95CE-6DB70DBA9567}" type="datetimeFigureOut">
               <a:rPr lang="en-US" dirty="0"/>
               <a:pPr/>
-              <a:t>3/26/19</a:t>
+              <a:t>4/2/19</a:t>
             </a:fld>
             <a:endParaRPr lang="en-US" dirty="0"/>
           </a:p>
@@ -8434,7 +8414,7 @@
             <a:fld id="{B61BEF0D-F0BB-DE4B-95CE-6DB70DBA9567}" type="datetimeFigureOut">
               <a:rPr lang="en-US" dirty="0"/>
               <a:pPr/>
-              <a:t>3/26/19</a:t>
+              <a:t>4/2/19</a:t>
             </a:fld>
             <a:endParaRPr lang="en-US" dirty="0"/>
           </a:p>
@@ -8593,7 +8573,7 @@
             <a:fld id="{B61BEF0D-F0BB-DE4B-95CE-6DB70DBA9567}" type="datetimeFigureOut">
               <a:rPr lang="en-US" dirty="0"/>
               <a:pPr/>
-              <a:t>3/26/19</a:t>
+              <a:t>4/2/19</a:t>
             </a:fld>
             <a:endParaRPr lang="en-US" dirty="0"/>
           </a:p>
@@ -8685,7 +8665,7 @@
             <a:fld id="{B61BEF0D-F0BB-DE4B-95CE-6DB70DBA9567}" type="datetimeFigureOut">
               <a:rPr lang="en-US" dirty="0"/>
               <a:pPr/>
-              <a:t>3/26/19</a:t>
+              <a:t>4/2/19</a:t>
             </a:fld>
             <a:endParaRPr lang="en-US" dirty="0"/>
           </a:p>
@@ -9060,7 +9040,7 @@
             <a:fld id="{B61BEF0D-F0BB-DE4B-95CE-6DB70DBA9567}" type="datetimeFigureOut">
               <a:rPr lang="en-US" dirty="0"/>
               <a:pPr/>
-              <a:t>3/26/19</a:t>
+              <a:t>4/2/19</a:t>
             </a:fld>
             <a:endParaRPr lang="en-US" dirty="0"/>
           </a:p>
@@ -9346,7 +9326,7 @@
             <a:fld id="{B61BEF0D-F0BB-DE4B-95CE-6DB70DBA9567}" type="datetimeFigureOut">
               <a:rPr lang="en-US" dirty="0"/>
               <a:pPr/>
-              <a:t>3/26/19</a:t>
+              <a:t>4/2/19</a:t>
             </a:fld>
             <a:endParaRPr lang="en-US" dirty="0"/>
           </a:p>
@@ -9554,7 +9534,7 @@
             <a:fld id="{B61BEF0D-F0BB-DE4B-95CE-6DB70DBA9567}" type="datetimeFigureOut">
               <a:rPr lang="en-US" dirty="0"/>
               <a:pPr/>
-              <a:t>3/26/19</a:t>
+              <a:t>4/2/19</a:t>
             </a:fld>
             <a:endParaRPr lang="en-US" dirty="0"/>
           </a:p>
@@ -10174,7 +10154,7 @@
           <a:p>
             <a:r>
               <a:rPr lang="en-US" dirty="0"/>
-              <a:t>TEXT ANALYTICs AND NATURAL LANGUAGE PROCESSING WEEK 3</a:t>
+              <a:t>TEXT ANALYTICs AND NATURAL LANGUAGE PROCESSING WEEK 4</a:t>
             </a:r>
           </a:p>
         </p:txBody>
@@ -10219,7 +10199,7 @@
         <p:spPr>
           <a:xfrm>
             <a:off x="1148080" y="3174474"/>
-            <a:ext cx="9940684" cy="2554545"/>
+            <a:ext cx="9940684" cy="1631216"/>
           </a:xfrm>
           <a:prstGeom prst="rect">
             <a:avLst/>
@@ -10252,7 +10232,7 @@
                   <a:schemeClr val="bg1"/>
                 </a:solidFill>
               </a:rPr>
-              <a:t>As a heads up, you’ll have two exercises today: one on distance/similarity, and one on regular expressions.</a:t>
+              <a:t>You’ll have two exercises today: one on regular expressions, and one on classification/word embeddings.</a:t>
             </a:r>
           </a:p>
           <a:p>
@@ -10296,81 +10276,7 @@
                   <a:schemeClr val="bg1"/>
                 </a:solidFill>
               </a:rPr>
-              <a:t>Optional: Install Tableau Desktop (use your student email)</a:t>
-            </a:r>
-          </a:p>
-          <a:p>
-            <a:pPr marL="342900" indent="-342900">
-              <a:buFont typeface="Arial" panose="020B0604020202020204" pitchFamily="34" charset="0"/>
-              <a:buChar char="•"/>
-            </a:pPr>
-            <a:r>
-              <a:rPr lang="en-US" sz="2000" dirty="0">
-                <a:solidFill>
-                  <a:schemeClr val="bg1"/>
-                </a:solidFill>
-              </a:rPr>
-              <a:t>Update your course repository:</a:t>
-            </a:r>
-          </a:p>
-          <a:p>
-            <a:pPr marL="800100" lvl="1" indent="-342900">
-              <a:buFont typeface="Arial" panose="020B0604020202020204" pitchFamily="34" charset="0"/>
-              <a:buChar char="•"/>
-            </a:pPr>
-            <a:r>
-              <a:rPr lang="en-US" sz="2000" dirty="0">
-                <a:solidFill>
-                  <a:schemeClr val="bg1"/>
-                </a:solidFill>
-              </a:rPr>
-              <a:t>Download the new files for week 3</a:t>
-            </a:r>
-          </a:p>
-          <a:p>
-            <a:pPr marL="800100" lvl="1" indent="-342900">
-              <a:buFont typeface="Arial" panose="020B0604020202020204" pitchFamily="34" charset="0"/>
-              <a:buChar char="•"/>
-            </a:pPr>
-            <a:r>
-              <a:rPr lang="en-US" sz="2000" dirty="0">
-                <a:solidFill>
-                  <a:schemeClr val="bg1"/>
-                </a:solidFill>
-              </a:rPr>
-              <a:t>If you forked the repo, https://</a:t>
-            </a:r>
-            <a:r>
-              <a:rPr lang="en-US" sz="2000" dirty="0" err="1">
-                <a:solidFill>
-                  <a:schemeClr val="bg1"/>
-                </a:solidFill>
-              </a:rPr>
-              <a:t>help.github.com</a:t>
-            </a:r>
-            <a:r>
-              <a:rPr lang="en-US" sz="2000" dirty="0">
-                <a:solidFill>
-                  <a:schemeClr val="bg1"/>
-                </a:solidFill>
-              </a:rPr>
-              <a:t>/</a:t>
-            </a:r>
-            <a:r>
-              <a:rPr lang="en-US" sz="2000" dirty="0" err="1">
-                <a:solidFill>
-                  <a:schemeClr val="bg1"/>
-                </a:solidFill>
-              </a:rPr>
-              <a:t>en</a:t>
-            </a:r>
-            <a:r>
-              <a:rPr lang="en-US" sz="2000" dirty="0">
-                <a:solidFill>
-                  <a:schemeClr val="bg1"/>
-                </a:solidFill>
-              </a:rPr>
-              <a:t>/articles/syncing-a-fork</a:t>
+              <a:t>Update your course repository for week 4</a:t>
             </a:r>
           </a:p>
         </p:txBody>
@@ -10388,245 +10294,7 @@
 </p:sld>
 </file>
 
-<file path=ppt/slides/slide10.xml><?xml version="1.0" encoding="utf-8"?>
-<p:sld xmlns:a="http://schemas.openxmlformats.org/drawingml/2006/main" xmlns:r="http://schemas.openxmlformats.org/officeDocument/2006/relationships" xmlns:p="http://schemas.openxmlformats.org/presentationml/2006/main">
-  <p:cSld>
-    <p:spTree>
-      <p:nvGrpSpPr>
-        <p:cNvPr id="1" name=""/>
-        <p:cNvGrpSpPr/>
-        <p:nvPr/>
-      </p:nvGrpSpPr>
-      <p:grpSpPr>
-        <a:xfrm>
-          <a:off x="0" y="0"/>
-          <a:ext cx="0" cy="0"/>
-          <a:chOff x="0" y="0"/>
-          <a:chExt cx="0" cy="0"/>
-        </a:xfrm>
-      </p:grpSpPr>
-      <p:sp>
-        <p:nvSpPr>
-          <p:cNvPr id="2" name="Title 1">
-            <a:extLst>
-              <a:ext uri="{FF2B5EF4-FFF2-40B4-BE49-F238E27FC236}">
-                <a16:creationId xmlns:a16="http://schemas.microsoft.com/office/drawing/2014/main" id="{69554948-13B4-C84D-A3EB-2D0B0CEDC641}"/>
-              </a:ext>
-            </a:extLst>
-          </p:cNvPr>
-          <p:cNvSpPr>
-            <a:spLocks noGrp="1"/>
-          </p:cNvSpPr>
-          <p:nvPr>
-            <p:ph type="title"/>
-          </p:nvPr>
-        </p:nvSpPr>
-        <p:spPr/>
-        <p:txBody>
-          <a:bodyPr/>
-          <a:lstStyle/>
-          <a:p>
-            <a:r>
-              <a:rPr lang="en-US" dirty="0"/>
-              <a:t>USE FOR LOOPS</a:t>
-            </a:r>
-          </a:p>
-        </p:txBody>
-      </p:sp>
-      <p:pic>
-        <p:nvPicPr>
-          <p:cNvPr id="5" name="Content Placeholder 4">
-            <a:extLst>
-              <a:ext uri="{FF2B5EF4-FFF2-40B4-BE49-F238E27FC236}">
-                <a16:creationId xmlns:a16="http://schemas.microsoft.com/office/drawing/2014/main" id="{637FB178-1198-9E4C-99D2-6D795B3738CA}"/>
-              </a:ext>
-            </a:extLst>
-          </p:cNvPr>
-          <p:cNvPicPr>
-            <a:picLocks noGrp="1" noChangeAspect="1"/>
-          </p:cNvPicPr>
-          <p:nvPr>
-            <p:ph idx="1"/>
-          </p:nvPr>
-        </p:nvPicPr>
-        <p:blipFill>
-          <a:blip r:embed="rId2"/>
-          <a:stretch>
-            <a:fillRect/>
-          </a:stretch>
-        </p:blipFill>
-        <p:spPr>
-          <a:xfrm>
-            <a:off x="881418" y="2860488"/>
-            <a:ext cx="4855166" cy="2466580"/>
-          </a:xfrm>
-        </p:spPr>
-      </p:pic>
-      <p:pic>
-        <p:nvPicPr>
-          <p:cNvPr id="7" name="Picture 6">
-            <a:extLst>
-              <a:ext uri="{FF2B5EF4-FFF2-40B4-BE49-F238E27FC236}">
-                <a16:creationId xmlns:a16="http://schemas.microsoft.com/office/drawing/2014/main" id="{20DC14C9-45FB-BE4D-9E35-1A04D0B9F51F}"/>
-              </a:ext>
-            </a:extLst>
-          </p:cNvPr>
-          <p:cNvPicPr>
-            <a:picLocks noChangeAspect="1"/>
-          </p:cNvPicPr>
-          <p:nvPr/>
-        </p:nvPicPr>
-        <p:blipFill>
-          <a:blip r:embed="rId3"/>
-          <a:stretch>
-            <a:fillRect/>
-          </a:stretch>
-        </p:blipFill>
-        <p:spPr>
-          <a:xfrm>
-            <a:off x="6632812" y="3704742"/>
-            <a:ext cx="4855166" cy="778071"/>
-          </a:xfrm>
-          <a:prstGeom prst="rect">
-            <a:avLst/>
-          </a:prstGeom>
-        </p:spPr>
-      </p:pic>
-    </p:spTree>
-    <p:extLst>
-      <p:ext uri="{BB962C8B-B14F-4D97-AF65-F5344CB8AC3E}">
-        <p14:creationId xmlns:p14="http://schemas.microsoft.com/office/powerpoint/2010/main" val="1481398734"/>
-      </p:ext>
-    </p:extLst>
-  </p:cSld>
-  <p:clrMapOvr>
-    <a:masterClrMapping/>
-  </p:clrMapOvr>
-</p:sld>
-</file>
-
-<file path=ppt/slides/slide11.xml><?xml version="1.0" encoding="utf-8"?>
-<p:sld xmlns:a="http://schemas.openxmlformats.org/drawingml/2006/main" xmlns:r="http://schemas.openxmlformats.org/officeDocument/2006/relationships" xmlns:p="http://schemas.openxmlformats.org/presentationml/2006/main">
-  <p:cSld>
-    <p:spTree>
-      <p:nvGrpSpPr>
-        <p:cNvPr id="1" name=""/>
-        <p:cNvGrpSpPr/>
-        <p:nvPr/>
-      </p:nvGrpSpPr>
-      <p:grpSpPr>
-        <a:xfrm>
-          <a:off x="0" y="0"/>
-          <a:ext cx="0" cy="0"/>
-          <a:chOff x="0" y="0"/>
-          <a:chExt cx="0" cy="0"/>
-        </a:xfrm>
-      </p:grpSpPr>
-      <p:sp>
-        <p:nvSpPr>
-          <p:cNvPr id="2" name="Title 1">
-            <a:extLst>
-              <a:ext uri="{FF2B5EF4-FFF2-40B4-BE49-F238E27FC236}">
-                <a16:creationId xmlns:a16="http://schemas.microsoft.com/office/drawing/2014/main" id="{C2574FBE-C7C4-5E45-832B-7AE9E41E1262}"/>
-              </a:ext>
-            </a:extLst>
-          </p:cNvPr>
-          <p:cNvSpPr>
-            <a:spLocks noGrp="1"/>
-          </p:cNvSpPr>
-          <p:nvPr>
-            <p:ph type="title"/>
-          </p:nvPr>
-        </p:nvSpPr>
-        <p:spPr/>
-        <p:txBody>
-          <a:bodyPr/>
-          <a:lstStyle/>
-          <a:p>
-            <a:r>
-              <a:rPr lang="en-US" dirty="0" err="1"/>
-              <a:t>DON’t</a:t>
-            </a:r>
-            <a:r>
-              <a:rPr lang="en-US" dirty="0"/>
-              <a:t> HARDCODE IN NUMBERS</a:t>
-            </a:r>
-          </a:p>
-        </p:txBody>
-      </p:sp>
-      <p:pic>
-        <p:nvPicPr>
-          <p:cNvPr id="5" name="Content Placeholder 4">
-            <a:extLst>
-              <a:ext uri="{FF2B5EF4-FFF2-40B4-BE49-F238E27FC236}">
-                <a16:creationId xmlns:a16="http://schemas.microsoft.com/office/drawing/2014/main" id="{C846845A-17BB-E046-B0C6-F2595052C4F9}"/>
-              </a:ext>
-            </a:extLst>
-          </p:cNvPr>
-          <p:cNvPicPr>
-            <a:picLocks noGrp="1" noChangeAspect="1"/>
-          </p:cNvPicPr>
-          <p:nvPr>
-            <p:ph idx="1"/>
-          </p:nvPr>
-        </p:nvPicPr>
-        <p:blipFill>
-          <a:blip r:embed="rId2"/>
-          <a:stretch>
-            <a:fillRect/>
-          </a:stretch>
-        </p:blipFill>
-        <p:spPr>
-          <a:xfrm>
-            <a:off x="3595628" y="1904555"/>
-            <a:ext cx="5000743" cy="1650825"/>
-          </a:xfrm>
-        </p:spPr>
-      </p:pic>
-      <p:pic>
-        <p:nvPicPr>
-          <p:cNvPr id="7" name="Picture 6">
-            <a:extLst>
-              <a:ext uri="{FF2B5EF4-FFF2-40B4-BE49-F238E27FC236}">
-                <a16:creationId xmlns:a16="http://schemas.microsoft.com/office/drawing/2014/main" id="{2E917F7E-ECED-5844-BBF2-97AC015606E2}"/>
-              </a:ext>
-            </a:extLst>
-          </p:cNvPr>
-          <p:cNvPicPr>
-            <a:picLocks noChangeAspect="1"/>
-          </p:cNvPicPr>
-          <p:nvPr/>
-        </p:nvPicPr>
-        <p:blipFill>
-          <a:blip r:embed="rId3"/>
-          <a:stretch>
-            <a:fillRect/>
-          </a:stretch>
-        </p:blipFill>
-        <p:spPr>
-          <a:xfrm>
-            <a:off x="2577293" y="4222154"/>
-            <a:ext cx="6600683" cy="1839781"/>
-          </a:xfrm>
-          <a:prstGeom prst="rect">
-            <a:avLst/>
-          </a:prstGeom>
-        </p:spPr>
-      </p:pic>
-    </p:spTree>
-    <p:extLst>
-      <p:ext uri="{BB962C8B-B14F-4D97-AF65-F5344CB8AC3E}">
-        <p14:creationId xmlns:p14="http://schemas.microsoft.com/office/powerpoint/2010/main" val="907421941"/>
-      </p:ext>
-    </p:extLst>
-  </p:cSld>
-  <p:clrMapOvr>
-    <a:masterClrMapping/>
-  </p:clrMapOvr>
-</p:sld>
-</file>
-
-<file path=ppt/slides/slide12.xml><?xml version="1.0" encoding="utf-8"?>
+<file path=ppt/slides/slide2.xml><?xml version="1.0" encoding="utf-8"?>
 <p:sld xmlns:a="http://schemas.openxmlformats.org/drawingml/2006/main" xmlns:r="http://schemas.openxmlformats.org/officeDocument/2006/relationships" xmlns:p="http://schemas.openxmlformats.org/presentationml/2006/main">
   <p:cSld>
     <p:bg>
@@ -10685,7 +10353,7 @@
                   <a:srgbClr val="FFFEFF"/>
                 </a:solidFill>
               </a:rPr>
-              <a:t>Agenda (Mar. 26</a:t>
+              <a:t>Agenda (April 2</a:t>
             </a:r>
             <a:r>
               <a:rPr lang="en-US" baseline="30000" dirty="0">
@@ -10693,7 +10361,7 @@
                   <a:srgbClr val="FFFEFF"/>
                 </a:solidFill>
               </a:rPr>
-              <a:t>th</a:t>
+              <a:t>nd</a:t>
             </a:r>
             <a:r>
               <a:rPr lang="en-US" dirty="0">
@@ -10722,7 +10390,7 @@
             <p:ph idx="1"/>
             <p:extLst>
               <p:ext uri="{D42A27DB-BD31-4B8C-83A1-F6EECF244321}">
-                <p14:modId xmlns:p14="http://schemas.microsoft.com/office/powerpoint/2010/main" val="1750545467"/>
+                <p14:modId xmlns:p14="http://schemas.microsoft.com/office/powerpoint/2010/main" val="805115107"/>
               </p:ext>
             </p:extLst>
           </p:nvPr>
@@ -10750,7 +10418,7 @@
 </p:sld>
 </file>
 
-<file path=ppt/slides/slide13.xml><?xml version="1.0" encoding="utf-8"?>
+<file path=ppt/slides/slide3.xml><?xml version="1.0" encoding="utf-8"?>
 <p:sld xmlns:a="http://schemas.openxmlformats.org/drawingml/2006/main" xmlns:r="http://schemas.openxmlformats.org/officeDocument/2006/relationships" xmlns:p="http://schemas.openxmlformats.org/presentationml/2006/main">
   <p:cSld>
     <p:spTree>
@@ -10841,15 +10509,15 @@
           <a:p>
             <a:r>
               <a:rPr lang="en-US" dirty="0"/>
-              <a:t>HW2 will be graded by</a:t>
+              <a:t>HW3 will be graded by</a:t>
             </a:r>
             <a:r>
               <a:rPr lang="en-US" b="1" dirty="0"/>
-              <a:t> 11:59pm PST, Sunday Mar. 31</a:t>
+              <a:t> 11:59pm PST, Saturday April. 6</a:t>
             </a:r>
             <a:r>
               <a:rPr lang="en-US" b="1" baseline="30000" dirty="0"/>
-              <a:t>st</a:t>
+              <a:t>th</a:t>
             </a:r>
             <a:r>
               <a:rPr lang="en-US" b="1" dirty="0"/>
@@ -10858,8 +10526,22 @@
           </a:p>
           <a:p>
             <a:r>
+              <a:rPr lang="en-US" dirty="0"/>
+              <a:t>Rubric for the midterm exam will be uploaded by </a:t>
+            </a:r>
+            <a:r>
               <a:rPr lang="en-US" b="1" dirty="0"/>
-              <a:t>Office hours this week are Sunday 9am-12pm PST.</a:t>
+              <a:t>Sunday</a:t>
+            </a:r>
+            <a:r>
+              <a:rPr lang="en-US" dirty="0"/>
+              <a:t>.</a:t>
+            </a:r>
+          </a:p>
+          <a:p>
+            <a:r>
+              <a:rPr lang="en-US" b="1" dirty="0"/>
+              <a:t>Office hours this week are Saturday 9am-12pm PST.</a:t>
             </a:r>
           </a:p>
           <a:p>
@@ -10914,7 +10596,7 @@
 </p:sld>
 </file>
 
-<file path=ppt/slides/slide14.xml><?xml version="1.0" encoding="utf-8"?>
+<file path=ppt/slides/slide4.xml><?xml version="1.0" encoding="utf-8"?>
 <p:sld xmlns:a="http://schemas.openxmlformats.org/drawingml/2006/main" xmlns:r="http://schemas.openxmlformats.org/officeDocument/2006/relationships" xmlns:p="http://schemas.openxmlformats.org/presentationml/2006/main">
   <p:cSld>
     <p:spTree>
@@ -10954,7 +10636,7 @@
           <a:p>
             <a:r>
               <a:rPr lang="en-US" dirty="0"/>
-              <a:t>Similarity / Distance Exercises (10 minutes)</a:t>
+              <a:t>TF-IDF Exercise (10 minutes)</a:t>
             </a:r>
           </a:p>
         </p:txBody>
@@ -10978,7 +10660,7 @@
         <p:spPr/>
         <p:txBody>
           <a:bodyPr>
-            <a:normAutofit fontScale="70000" lnSpcReduction="20000"/>
+            <a:normAutofit fontScale="92500" lnSpcReduction="20000"/>
           </a:bodyPr>
           <a:lstStyle/>
           <a:p>
@@ -11009,43 +10691,26 @@
             </a:r>
           </a:p>
           <a:p>
-            <a:pPr marL="514350" indent="-514350">
-              <a:buFont typeface="+mj-lt"/>
-              <a:buAutoNum type="arabicPeriod"/>
+            <a:pPr lvl="1"/>
+            <a:r>
+              <a:rPr lang="en-US" sz="3000" b="1" dirty="0"/>
+              <a:t>D.</a:t>
+            </a:r>
+          </a:p>
+          <a:p>
+            <a:pPr lvl="1"/>
+            <a:r>
+              <a:rPr lang="en-US" sz="3000" b="1" dirty="0"/>
+              <a:t>E.</a:t>
+            </a:r>
+          </a:p>
+          <a:p>
+            <a:pPr marL="324000" lvl="1" indent="0">
+              <a:buNone/>
             </a:pPr>
             <a:r>
-              <a:rPr lang="en-US" sz="3200" b="1" dirty="0"/>
-              <a:t>Compute norm of these documents.</a:t>
-            </a:r>
-          </a:p>
-          <a:p>
-            <a:pPr marL="514350" indent="-514350">
-              <a:buFont typeface="+mj-lt"/>
-              <a:buAutoNum type="arabicPeriod"/>
-            </a:pPr>
-            <a:r>
-              <a:rPr lang="en-US" sz="3200" b="1" dirty="0"/>
-              <a:t>Compute Euclidean distance.</a:t>
-            </a:r>
-          </a:p>
-          <a:p>
-            <a:pPr marL="514350" indent="-514350">
-              <a:buFont typeface="+mj-lt"/>
-              <a:buAutoNum type="arabicPeriod"/>
-            </a:pPr>
-            <a:r>
-              <a:rPr lang="en-US" sz="3200" b="1" dirty="0"/>
-              <a:t>Compute cosine similarity.</a:t>
-            </a:r>
-          </a:p>
-          <a:p>
-            <a:pPr marL="514350" indent="-514350">
-              <a:buFont typeface="+mj-lt"/>
-              <a:buAutoNum type="arabicPeriod"/>
-            </a:pPr>
-            <a:r>
-              <a:rPr lang="en-US" sz="3200" b="1" dirty="0"/>
-              <a:t>New Document D is introduced: _____. Compute cosine distance of Document C and D.</a:t>
+              <a:rPr lang="en-US" sz="3000" b="1" dirty="0"/>
+              <a:t>Compute TF-IDF score for “plot”.</a:t>
             </a:r>
           </a:p>
         </p:txBody>
@@ -11063,7 +10728,7 @@
 </p:sld>
 </file>
 
-<file path=ppt/slides/slide15.xml><?xml version="1.0" encoding="utf-8"?>
+<file path=ppt/slides/slide5.xml><?xml version="1.0" encoding="utf-8"?>
 <p:sld xmlns:a="http://schemas.openxmlformats.org/drawingml/2006/main" xmlns:r="http://schemas.openxmlformats.org/officeDocument/2006/relationships" xmlns:p="http://schemas.openxmlformats.org/presentationml/2006/main">
   <p:cSld>
     <p:spTree>
@@ -11150,962 +10815,6 @@
     <p:extLst>
       <p:ext uri="{BB962C8B-B14F-4D97-AF65-F5344CB8AC3E}">
         <p14:creationId xmlns:p14="http://schemas.microsoft.com/office/powerpoint/2010/main" val="174395476"/>
-      </p:ext>
-    </p:extLst>
-  </p:cSld>
-  <p:clrMapOvr>
-    <a:masterClrMapping/>
-  </p:clrMapOvr>
-</p:sld>
-</file>
-
-<file path=ppt/slides/slide2.xml><?xml version="1.0" encoding="utf-8"?>
-<p:sld xmlns:a="http://schemas.openxmlformats.org/drawingml/2006/main" xmlns:r="http://schemas.openxmlformats.org/officeDocument/2006/relationships" xmlns:p="http://schemas.openxmlformats.org/presentationml/2006/main">
-  <p:cSld>
-    <p:spTree>
-      <p:nvGrpSpPr>
-        <p:cNvPr id="1" name=""/>
-        <p:cNvGrpSpPr/>
-        <p:nvPr/>
-      </p:nvGrpSpPr>
-      <p:grpSpPr>
-        <a:xfrm>
-          <a:off x="0" y="0"/>
-          <a:ext cx="0" cy="0"/>
-          <a:chOff x="0" y="0"/>
-          <a:chExt cx="0" cy="0"/>
-        </a:xfrm>
-      </p:grpSpPr>
-      <p:sp>
-        <p:nvSpPr>
-          <p:cNvPr id="2" name="Title 1">
-            <a:extLst>
-              <a:ext uri="{FF2B5EF4-FFF2-40B4-BE49-F238E27FC236}">
-                <a16:creationId xmlns:a16="http://schemas.microsoft.com/office/drawing/2014/main" id="{E4056A92-B612-EF42-8B43-C2CAACCF0AB5}"/>
-              </a:ext>
-            </a:extLst>
-          </p:cNvPr>
-          <p:cNvSpPr>
-            <a:spLocks noGrp="1"/>
-          </p:cNvSpPr>
-          <p:nvPr>
-            <p:ph type="title"/>
-          </p:nvPr>
-        </p:nvSpPr>
-        <p:spPr/>
-        <p:txBody>
-          <a:bodyPr/>
-          <a:lstStyle/>
-          <a:p>
-            <a:r>
-              <a:rPr lang="en-US" dirty="0"/>
-              <a:t>MAKE SURE YOUR RECOMMENDATION FITS YOUR AUDIENCE</a:t>
-            </a:r>
-          </a:p>
-        </p:txBody>
-      </p:sp>
-      <p:sp>
-        <p:nvSpPr>
-          <p:cNvPr id="3" name="Content Placeholder 2">
-            <a:extLst>
-              <a:ext uri="{FF2B5EF4-FFF2-40B4-BE49-F238E27FC236}">
-                <a16:creationId xmlns:a16="http://schemas.microsoft.com/office/drawing/2014/main" id="{502B3758-051B-5245-BB7E-82F5038163B7}"/>
-              </a:ext>
-            </a:extLst>
-          </p:cNvPr>
-          <p:cNvSpPr>
-            <a:spLocks noGrp="1"/>
-          </p:cNvSpPr>
-          <p:nvPr>
-            <p:ph idx="1"/>
-          </p:nvPr>
-        </p:nvSpPr>
-        <p:spPr/>
-        <p:txBody>
-          <a:bodyPr/>
-          <a:lstStyle/>
-          <a:p>
-            <a:r>
-              <a:rPr lang="en-US" i="1" dirty="0"/>
-              <a:t>So from both good reviews and poor reviews above, we see toys are mainly bought for sons , thus, </a:t>
-            </a:r>
-            <a:r>
-              <a:rPr lang="en-US" i="1" dirty="0" err="1"/>
-              <a:t>sons'marketing</a:t>
-            </a:r>
-            <a:r>
-              <a:rPr lang="en-US" i="1" dirty="0"/>
-              <a:t> messages tends to outperform other segments, and this toy store should choose parents who buy toys for their sons as their target customers to do promotion.</a:t>
-            </a:r>
-          </a:p>
-        </p:txBody>
-      </p:sp>
-    </p:spTree>
-    <p:extLst>
-      <p:ext uri="{BB962C8B-B14F-4D97-AF65-F5344CB8AC3E}">
-        <p14:creationId xmlns:p14="http://schemas.microsoft.com/office/powerpoint/2010/main" val="1302340545"/>
-      </p:ext>
-    </p:extLst>
-  </p:cSld>
-  <p:clrMapOvr>
-    <a:masterClrMapping/>
-  </p:clrMapOvr>
-</p:sld>
-</file>
-
-<file path=ppt/slides/slide3.xml><?xml version="1.0" encoding="utf-8"?>
-<p:sld xmlns:a="http://schemas.openxmlformats.org/drawingml/2006/main" xmlns:r="http://schemas.openxmlformats.org/officeDocument/2006/relationships" xmlns:p="http://schemas.openxmlformats.org/presentationml/2006/main">
-  <p:cSld>
-    <p:spTree>
-      <p:nvGrpSpPr>
-        <p:cNvPr id="1" name=""/>
-        <p:cNvGrpSpPr/>
-        <p:nvPr/>
-      </p:nvGrpSpPr>
-      <p:grpSpPr>
-        <a:xfrm>
-          <a:off x="0" y="0"/>
-          <a:ext cx="0" cy="0"/>
-          <a:chOff x="0" y="0"/>
-          <a:chExt cx="0" cy="0"/>
-        </a:xfrm>
-      </p:grpSpPr>
-      <p:sp>
-        <p:nvSpPr>
-          <p:cNvPr id="2" name="Title 1">
-            <a:extLst>
-              <a:ext uri="{FF2B5EF4-FFF2-40B4-BE49-F238E27FC236}">
-                <a16:creationId xmlns:a16="http://schemas.microsoft.com/office/drawing/2014/main" id="{76FCACAD-EE27-B046-A9AF-2B070009397D}"/>
-              </a:ext>
-            </a:extLst>
-          </p:cNvPr>
-          <p:cNvSpPr>
-            <a:spLocks noGrp="1"/>
-          </p:cNvSpPr>
-          <p:nvPr>
-            <p:ph type="title"/>
-          </p:nvPr>
-        </p:nvSpPr>
-        <p:spPr/>
-        <p:txBody>
-          <a:bodyPr/>
-          <a:lstStyle/>
-          <a:p>
-            <a:r>
-              <a:rPr lang="en-US" dirty="0"/>
-              <a:t>USE COMMENTS</a:t>
-            </a:r>
-          </a:p>
-        </p:txBody>
-      </p:sp>
-      <p:pic>
-        <p:nvPicPr>
-          <p:cNvPr id="5" name="Content Placeholder 4">
-            <a:extLst>
-              <a:ext uri="{FF2B5EF4-FFF2-40B4-BE49-F238E27FC236}">
-                <a16:creationId xmlns:a16="http://schemas.microsoft.com/office/drawing/2014/main" id="{7F1653F9-279E-564C-9644-968341E20F29}"/>
-              </a:ext>
-            </a:extLst>
-          </p:cNvPr>
-          <p:cNvPicPr>
-            <a:picLocks noGrp="1" noChangeAspect="1"/>
-          </p:cNvPicPr>
-          <p:nvPr>
-            <p:ph idx="1"/>
-          </p:nvPr>
-        </p:nvPicPr>
-        <p:blipFill>
-          <a:blip r:embed="rId2"/>
-          <a:stretch>
-            <a:fillRect/>
-          </a:stretch>
-        </p:blipFill>
-        <p:spPr>
-          <a:xfrm>
-            <a:off x="1164736" y="2181225"/>
-            <a:ext cx="9862528" cy="3678238"/>
-          </a:xfrm>
-        </p:spPr>
-      </p:pic>
-    </p:spTree>
-    <p:extLst>
-      <p:ext uri="{BB962C8B-B14F-4D97-AF65-F5344CB8AC3E}">
-        <p14:creationId xmlns:p14="http://schemas.microsoft.com/office/powerpoint/2010/main" val="2994896713"/>
-      </p:ext>
-    </p:extLst>
-  </p:cSld>
-  <p:clrMapOvr>
-    <a:masterClrMapping/>
-  </p:clrMapOvr>
-</p:sld>
-</file>
-
-<file path=ppt/slides/slide4.xml><?xml version="1.0" encoding="utf-8"?>
-<p:sld xmlns:a="http://schemas.openxmlformats.org/drawingml/2006/main" xmlns:r="http://schemas.openxmlformats.org/officeDocument/2006/relationships" xmlns:p="http://schemas.openxmlformats.org/presentationml/2006/main">
-  <p:cSld>
-    <p:spTree>
-      <p:nvGrpSpPr>
-        <p:cNvPr id="1" name=""/>
-        <p:cNvGrpSpPr/>
-        <p:nvPr/>
-      </p:nvGrpSpPr>
-      <p:grpSpPr>
-        <a:xfrm>
-          <a:off x="0" y="0"/>
-          <a:ext cx="0" cy="0"/>
-          <a:chOff x="0" y="0"/>
-          <a:chExt cx="0" cy="0"/>
-        </a:xfrm>
-      </p:grpSpPr>
-      <p:sp>
-        <p:nvSpPr>
-          <p:cNvPr id="2" name="Title 1">
-            <a:extLst>
-              <a:ext uri="{FF2B5EF4-FFF2-40B4-BE49-F238E27FC236}">
-                <a16:creationId xmlns:a16="http://schemas.microsoft.com/office/drawing/2014/main" id="{13AE68F5-8ADA-9D4F-8E70-B5FB5F8CBE0A}"/>
-              </a:ext>
-            </a:extLst>
-          </p:cNvPr>
-          <p:cNvSpPr>
-            <a:spLocks noGrp="1"/>
-          </p:cNvSpPr>
-          <p:nvPr>
-            <p:ph type="title"/>
-          </p:nvPr>
-        </p:nvSpPr>
-        <p:spPr/>
-        <p:txBody>
-          <a:bodyPr/>
-          <a:lstStyle/>
-          <a:p>
-            <a:r>
-              <a:rPr lang="en-US" dirty="0"/>
-              <a:t>Use visualizations</a:t>
-            </a:r>
-          </a:p>
-        </p:txBody>
-      </p:sp>
-      <p:pic>
-        <p:nvPicPr>
-          <p:cNvPr id="5" name="Content Placeholder 4">
-            <a:extLst>
-              <a:ext uri="{FF2B5EF4-FFF2-40B4-BE49-F238E27FC236}">
-                <a16:creationId xmlns:a16="http://schemas.microsoft.com/office/drawing/2014/main" id="{F78A6F9D-7D88-004C-A228-718AD7DBF590}"/>
-              </a:ext>
-            </a:extLst>
-          </p:cNvPr>
-          <p:cNvPicPr>
-            <a:picLocks noGrp="1" noChangeAspect="1"/>
-          </p:cNvPicPr>
-          <p:nvPr>
-            <p:ph idx="1"/>
-          </p:nvPr>
-        </p:nvPicPr>
-        <p:blipFill>
-          <a:blip r:embed="rId2"/>
-          <a:stretch>
-            <a:fillRect/>
-          </a:stretch>
-        </p:blipFill>
-        <p:spPr>
-          <a:xfrm>
-            <a:off x="1232117" y="2182812"/>
-            <a:ext cx="4104887" cy="3678238"/>
-          </a:xfrm>
-        </p:spPr>
-      </p:pic>
-      <p:pic>
-        <p:nvPicPr>
-          <p:cNvPr id="7" name="Picture 6">
-            <a:extLst>
-              <a:ext uri="{FF2B5EF4-FFF2-40B4-BE49-F238E27FC236}">
-                <a16:creationId xmlns:a16="http://schemas.microsoft.com/office/drawing/2014/main" id="{A6AC3A3A-E083-4A48-8F9B-68D43C623930}"/>
-              </a:ext>
-            </a:extLst>
-          </p:cNvPr>
-          <p:cNvPicPr>
-            <a:picLocks noChangeAspect="1"/>
-          </p:cNvPicPr>
-          <p:nvPr/>
-        </p:nvPicPr>
-        <p:blipFill>
-          <a:blip r:embed="rId3"/>
-          <a:stretch>
-            <a:fillRect/>
-          </a:stretch>
-        </p:blipFill>
-        <p:spPr>
-          <a:xfrm>
-            <a:off x="6096000" y="2791752"/>
-            <a:ext cx="4939517" cy="2722065"/>
-          </a:xfrm>
-          <a:prstGeom prst="rect">
-            <a:avLst/>
-          </a:prstGeom>
-        </p:spPr>
-      </p:pic>
-    </p:spTree>
-    <p:extLst>
-      <p:ext uri="{BB962C8B-B14F-4D97-AF65-F5344CB8AC3E}">
-        <p14:creationId xmlns:p14="http://schemas.microsoft.com/office/powerpoint/2010/main" val="3926246312"/>
-      </p:ext>
-    </p:extLst>
-  </p:cSld>
-  <p:clrMapOvr>
-    <a:masterClrMapping/>
-  </p:clrMapOvr>
-</p:sld>
-</file>
-
-<file path=ppt/slides/slide5.xml><?xml version="1.0" encoding="utf-8"?>
-<p:sld xmlns:a="http://schemas.openxmlformats.org/drawingml/2006/main" xmlns:r="http://schemas.openxmlformats.org/officeDocument/2006/relationships" xmlns:p="http://schemas.openxmlformats.org/presentationml/2006/main">
-  <p:cSld>
-    <p:spTree>
-      <p:nvGrpSpPr>
-        <p:cNvPr id="1" name=""/>
-        <p:cNvGrpSpPr/>
-        <p:nvPr/>
-      </p:nvGrpSpPr>
-      <p:grpSpPr>
-        <a:xfrm>
-          <a:off x="0" y="0"/>
-          <a:ext cx="0" cy="0"/>
-          <a:chOff x="0" y="0"/>
-          <a:chExt cx="0" cy="0"/>
-        </a:xfrm>
-      </p:grpSpPr>
-      <p:sp>
-        <p:nvSpPr>
-          <p:cNvPr id="2" name="Title 1">
-            <a:extLst>
-              <a:ext uri="{FF2B5EF4-FFF2-40B4-BE49-F238E27FC236}">
-                <a16:creationId xmlns:a16="http://schemas.microsoft.com/office/drawing/2014/main" id="{C63AAD2E-C778-AA4A-BD1B-34B70033A8D1}"/>
-              </a:ext>
-            </a:extLst>
-          </p:cNvPr>
-          <p:cNvSpPr>
-            <a:spLocks noGrp="1"/>
-          </p:cNvSpPr>
-          <p:nvPr>
-            <p:ph type="title"/>
-          </p:nvPr>
-        </p:nvSpPr>
-        <p:spPr/>
-        <p:txBody>
-          <a:bodyPr/>
-          <a:lstStyle/>
-          <a:p>
-            <a:r>
-              <a:rPr lang="en-US" dirty="0" err="1"/>
-              <a:t>DON’t</a:t>
-            </a:r>
-            <a:r>
-              <a:rPr lang="en-US" dirty="0"/>
-              <a:t> ASSUME FULL BAG OF WORDS MODEL</a:t>
-            </a:r>
-          </a:p>
-        </p:txBody>
-      </p:sp>
-      <p:pic>
-        <p:nvPicPr>
-          <p:cNvPr id="5" name="Content Placeholder 4">
-            <a:extLst>
-              <a:ext uri="{FF2B5EF4-FFF2-40B4-BE49-F238E27FC236}">
-                <a16:creationId xmlns:a16="http://schemas.microsoft.com/office/drawing/2014/main" id="{884FF8EE-1224-064E-8B45-9FA0F5CFDA3C}"/>
-              </a:ext>
-            </a:extLst>
-          </p:cNvPr>
-          <p:cNvPicPr>
-            <a:picLocks noGrp="1" noChangeAspect="1"/>
-          </p:cNvPicPr>
-          <p:nvPr>
-            <p:ph idx="1"/>
-          </p:nvPr>
-        </p:nvPicPr>
-        <p:blipFill>
-          <a:blip r:embed="rId2"/>
-          <a:stretch>
-            <a:fillRect/>
-          </a:stretch>
-        </p:blipFill>
-        <p:spPr>
-          <a:xfrm>
-            <a:off x="1111250" y="2724944"/>
-            <a:ext cx="9969500" cy="2590800"/>
-          </a:xfrm>
-        </p:spPr>
-      </p:pic>
-    </p:spTree>
-    <p:extLst>
-      <p:ext uri="{BB962C8B-B14F-4D97-AF65-F5344CB8AC3E}">
-        <p14:creationId xmlns:p14="http://schemas.microsoft.com/office/powerpoint/2010/main" val="2823465998"/>
-      </p:ext>
-    </p:extLst>
-  </p:cSld>
-  <p:clrMapOvr>
-    <a:masterClrMapping/>
-  </p:clrMapOvr>
-</p:sld>
-</file>
-
-<file path=ppt/slides/slide6.xml><?xml version="1.0" encoding="utf-8"?>
-<p:sld xmlns:a="http://schemas.openxmlformats.org/drawingml/2006/main" xmlns:r="http://schemas.openxmlformats.org/officeDocument/2006/relationships" xmlns:p="http://schemas.openxmlformats.org/presentationml/2006/main">
-  <p:cSld>
-    <p:spTree>
-      <p:nvGrpSpPr>
-        <p:cNvPr id="1" name=""/>
-        <p:cNvGrpSpPr/>
-        <p:nvPr/>
-      </p:nvGrpSpPr>
-      <p:grpSpPr>
-        <a:xfrm>
-          <a:off x="0" y="0"/>
-          <a:ext cx="0" cy="0"/>
-          <a:chOff x="0" y="0"/>
-          <a:chExt cx="0" cy="0"/>
-        </a:xfrm>
-      </p:grpSpPr>
-      <p:sp>
-        <p:nvSpPr>
-          <p:cNvPr id="2" name="Title 1">
-            <a:extLst>
-              <a:ext uri="{FF2B5EF4-FFF2-40B4-BE49-F238E27FC236}">
-                <a16:creationId xmlns:a16="http://schemas.microsoft.com/office/drawing/2014/main" id="{0372175F-D2D4-004D-8699-D01A80425F9B}"/>
-              </a:ext>
-            </a:extLst>
-          </p:cNvPr>
-          <p:cNvSpPr>
-            <a:spLocks noGrp="1"/>
-          </p:cNvSpPr>
-          <p:nvPr>
-            <p:ph type="title"/>
-          </p:nvPr>
-        </p:nvSpPr>
-        <p:spPr/>
-        <p:txBody>
-          <a:bodyPr/>
-          <a:lstStyle/>
-          <a:p>
-            <a:r>
-              <a:rPr lang="en-US" dirty="0"/>
-              <a:t>PRESENTATION IS STILL IMPORTANT!</a:t>
-            </a:r>
-          </a:p>
-        </p:txBody>
-      </p:sp>
-      <p:pic>
-        <p:nvPicPr>
-          <p:cNvPr id="5" name="Content Placeholder 4">
-            <a:extLst>
-              <a:ext uri="{FF2B5EF4-FFF2-40B4-BE49-F238E27FC236}">
-                <a16:creationId xmlns:a16="http://schemas.microsoft.com/office/drawing/2014/main" id="{5C777C24-3E6B-BE46-B824-4EBF7B524307}"/>
-              </a:ext>
-            </a:extLst>
-          </p:cNvPr>
-          <p:cNvPicPr>
-            <a:picLocks noGrp="1" noChangeAspect="1"/>
-          </p:cNvPicPr>
-          <p:nvPr>
-            <p:ph idx="1"/>
-          </p:nvPr>
-        </p:nvPicPr>
-        <p:blipFill>
-          <a:blip r:embed="rId2"/>
-          <a:stretch>
-            <a:fillRect/>
-          </a:stretch>
-        </p:blipFill>
-        <p:spPr>
-          <a:xfrm>
-            <a:off x="581025" y="3481695"/>
-            <a:ext cx="11029950" cy="1077297"/>
-          </a:xfrm>
-        </p:spPr>
-      </p:pic>
-    </p:spTree>
-    <p:extLst>
-      <p:ext uri="{BB962C8B-B14F-4D97-AF65-F5344CB8AC3E}">
-        <p14:creationId xmlns:p14="http://schemas.microsoft.com/office/powerpoint/2010/main" val="3132362210"/>
-      </p:ext>
-    </p:extLst>
-  </p:cSld>
-  <p:clrMapOvr>
-    <a:masterClrMapping/>
-  </p:clrMapOvr>
-</p:sld>
-</file>
-
-<file path=ppt/slides/slide7.xml><?xml version="1.0" encoding="utf-8"?>
-<p:sld xmlns:a="http://schemas.openxmlformats.org/drawingml/2006/main" xmlns:r="http://schemas.openxmlformats.org/officeDocument/2006/relationships" xmlns:p="http://schemas.openxmlformats.org/presentationml/2006/main">
-  <p:cSld>
-    <p:spTree>
-      <p:nvGrpSpPr>
-        <p:cNvPr id="1" name=""/>
-        <p:cNvGrpSpPr/>
-        <p:nvPr/>
-      </p:nvGrpSpPr>
-      <p:grpSpPr>
-        <a:xfrm>
-          <a:off x="0" y="0"/>
-          <a:ext cx="0" cy="0"/>
-          <a:chOff x="0" y="0"/>
-          <a:chExt cx="0" cy="0"/>
-        </a:xfrm>
-      </p:grpSpPr>
-      <p:sp>
-        <p:nvSpPr>
-          <p:cNvPr id="2" name="Title 1">
-            <a:extLst>
-              <a:ext uri="{FF2B5EF4-FFF2-40B4-BE49-F238E27FC236}">
-                <a16:creationId xmlns:a16="http://schemas.microsoft.com/office/drawing/2014/main" id="{3649C69F-82D6-4B48-814C-D575C7CA38EF}"/>
-              </a:ext>
-            </a:extLst>
-          </p:cNvPr>
-          <p:cNvSpPr>
-            <a:spLocks noGrp="1"/>
-          </p:cNvSpPr>
-          <p:nvPr>
-            <p:ph type="title"/>
-          </p:nvPr>
-        </p:nvSpPr>
-        <p:spPr/>
-        <p:txBody>
-          <a:bodyPr/>
-          <a:lstStyle/>
-          <a:p>
-            <a:r>
-              <a:rPr lang="en-US" dirty="0"/>
-              <a:t>Avoid costly operations inside loops</a:t>
-            </a:r>
-          </a:p>
-        </p:txBody>
-      </p:sp>
-      <p:pic>
-        <p:nvPicPr>
-          <p:cNvPr id="5" name="Content Placeholder 4">
-            <a:extLst>
-              <a:ext uri="{FF2B5EF4-FFF2-40B4-BE49-F238E27FC236}">
-                <a16:creationId xmlns:a16="http://schemas.microsoft.com/office/drawing/2014/main" id="{153C8901-53D4-CE43-972D-6BCCC8BD7426}"/>
-              </a:ext>
-            </a:extLst>
-          </p:cNvPr>
-          <p:cNvPicPr>
-            <a:picLocks noGrp="1" noChangeAspect="1"/>
-          </p:cNvPicPr>
-          <p:nvPr>
-            <p:ph idx="1"/>
-          </p:nvPr>
-        </p:nvPicPr>
-        <p:blipFill>
-          <a:blip r:embed="rId2"/>
-          <a:stretch>
-            <a:fillRect/>
-          </a:stretch>
-        </p:blipFill>
-        <p:spPr>
-          <a:xfrm>
-            <a:off x="2033469" y="2296461"/>
-            <a:ext cx="8125062" cy="670877"/>
-          </a:xfrm>
-        </p:spPr>
-      </p:pic>
-      <p:pic>
-        <p:nvPicPr>
-          <p:cNvPr id="8" name="Picture 7">
-            <a:extLst>
-              <a:ext uri="{FF2B5EF4-FFF2-40B4-BE49-F238E27FC236}">
-                <a16:creationId xmlns:a16="http://schemas.microsoft.com/office/drawing/2014/main" id="{1830B131-2DDF-F74D-ACFA-F17813DF60D7}"/>
-              </a:ext>
-            </a:extLst>
-          </p:cNvPr>
-          <p:cNvPicPr>
-            <a:picLocks noChangeAspect="1"/>
-          </p:cNvPicPr>
-          <p:nvPr/>
-        </p:nvPicPr>
-        <p:blipFill>
-          <a:blip r:embed="rId3"/>
-          <a:stretch>
-            <a:fillRect/>
-          </a:stretch>
-        </p:blipFill>
-        <p:spPr>
-          <a:xfrm>
-            <a:off x="2854888" y="3238494"/>
-            <a:ext cx="6482223" cy="1270663"/>
-          </a:xfrm>
-          <a:prstGeom prst="rect">
-            <a:avLst/>
-          </a:prstGeom>
-        </p:spPr>
-      </p:pic>
-      <p:pic>
-        <p:nvPicPr>
-          <p:cNvPr id="10" name="Picture 9">
-            <a:extLst>
-              <a:ext uri="{FF2B5EF4-FFF2-40B4-BE49-F238E27FC236}">
-                <a16:creationId xmlns:a16="http://schemas.microsoft.com/office/drawing/2014/main" id="{E084887F-9F4F-BA4C-8334-71FCA08CA09B}"/>
-              </a:ext>
-            </a:extLst>
-          </p:cNvPr>
-          <p:cNvPicPr>
-            <a:picLocks noChangeAspect="1"/>
-          </p:cNvPicPr>
-          <p:nvPr/>
-        </p:nvPicPr>
-        <p:blipFill>
-          <a:blip r:embed="rId4"/>
-          <a:stretch>
-            <a:fillRect/>
-          </a:stretch>
-        </p:blipFill>
-        <p:spPr>
-          <a:xfrm>
-            <a:off x="2240105" y="4697561"/>
-            <a:ext cx="7711789" cy="888967"/>
-          </a:xfrm>
-          <a:prstGeom prst="rect">
-            <a:avLst/>
-          </a:prstGeom>
-        </p:spPr>
-      </p:pic>
-      <p:pic>
-        <p:nvPicPr>
-          <p:cNvPr id="12" name="Picture 11">
-            <a:extLst>
-              <a:ext uri="{FF2B5EF4-FFF2-40B4-BE49-F238E27FC236}">
-                <a16:creationId xmlns:a16="http://schemas.microsoft.com/office/drawing/2014/main" id="{FE5EF066-CBA3-1D42-A091-66F4ECDD01BB}"/>
-              </a:ext>
-            </a:extLst>
-          </p:cNvPr>
-          <p:cNvPicPr>
-            <a:picLocks noChangeAspect="1"/>
-          </p:cNvPicPr>
-          <p:nvPr/>
-        </p:nvPicPr>
-        <p:blipFill>
-          <a:blip r:embed="rId5"/>
-          <a:stretch>
-            <a:fillRect/>
-          </a:stretch>
-        </p:blipFill>
-        <p:spPr>
-          <a:xfrm>
-            <a:off x="3293013" y="5787030"/>
-            <a:ext cx="5605973" cy="737628"/>
-          </a:xfrm>
-          <a:prstGeom prst="rect">
-            <a:avLst/>
-          </a:prstGeom>
-        </p:spPr>
-      </p:pic>
-    </p:spTree>
-    <p:extLst>
-      <p:ext uri="{BB962C8B-B14F-4D97-AF65-F5344CB8AC3E}">
-        <p14:creationId xmlns:p14="http://schemas.microsoft.com/office/powerpoint/2010/main" val="3581573380"/>
-      </p:ext>
-    </p:extLst>
-  </p:cSld>
-  <p:clrMapOvr>
-    <a:masterClrMapping/>
-  </p:clrMapOvr>
-</p:sld>
-</file>
-
-<file path=ppt/slides/slide8.xml><?xml version="1.0" encoding="utf-8"?>
-<p:sld xmlns:a="http://schemas.openxmlformats.org/drawingml/2006/main" xmlns:r="http://schemas.openxmlformats.org/officeDocument/2006/relationships" xmlns:p="http://schemas.openxmlformats.org/presentationml/2006/main">
-  <p:cSld>
-    <p:spTree>
-      <p:nvGrpSpPr>
-        <p:cNvPr id="1" name=""/>
-        <p:cNvGrpSpPr/>
-        <p:nvPr/>
-      </p:nvGrpSpPr>
-      <p:grpSpPr>
-        <a:xfrm>
-          <a:off x="0" y="0"/>
-          <a:ext cx="0" cy="0"/>
-          <a:chOff x="0" y="0"/>
-          <a:chExt cx="0" cy="0"/>
-        </a:xfrm>
-      </p:grpSpPr>
-      <p:sp>
-        <p:nvSpPr>
-          <p:cNvPr id="2" name="Title 1">
-            <a:extLst>
-              <a:ext uri="{FF2B5EF4-FFF2-40B4-BE49-F238E27FC236}">
-                <a16:creationId xmlns:a16="http://schemas.microsoft.com/office/drawing/2014/main" id="{713EF814-D7BC-8D41-986A-10423CB091EC}"/>
-              </a:ext>
-            </a:extLst>
-          </p:cNvPr>
-          <p:cNvSpPr>
-            <a:spLocks noGrp="1"/>
-          </p:cNvSpPr>
-          <p:nvPr>
-            <p:ph type="title"/>
-          </p:nvPr>
-        </p:nvSpPr>
-        <p:spPr/>
-        <p:txBody>
-          <a:bodyPr/>
-          <a:lstStyle/>
-          <a:p>
-            <a:r>
-              <a:rPr lang="en-US" dirty="0"/>
-              <a:t>Statistical testing</a:t>
-            </a:r>
-          </a:p>
-        </p:txBody>
-      </p:sp>
-      <p:sp>
-        <p:nvSpPr>
-          <p:cNvPr id="3" name="Content Placeholder 2">
-            <a:extLst>
-              <a:ext uri="{FF2B5EF4-FFF2-40B4-BE49-F238E27FC236}">
-                <a16:creationId xmlns:a16="http://schemas.microsoft.com/office/drawing/2014/main" id="{36F47EA5-EDDB-594E-AE07-E8007655D736}"/>
-              </a:ext>
-            </a:extLst>
-          </p:cNvPr>
-          <p:cNvSpPr>
-            <a:spLocks noGrp="1"/>
-          </p:cNvSpPr>
-          <p:nvPr>
-            <p:ph idx="1"/>
-          </p:nvPr>
-        </p:nvSpPr>
-        <p:spPr/>
-        <p:txBody>
-          <a:bodyPr/>
-          <a:lstStyle/>
-          <a:p>
-            <a:r>
-              <a:rPr lang="en-US" i="1" dirty="0"/>
-              <a:t>Among X good reviews, there are Y reviews mentioning batteries. Among A poor reviews, there are B reviews mentioning batteries. If we do a two population percentages test with a null hypothesis stating that there is no difference in the proportions, we will reject the null hypothesis with a p-value as small as ___ . We may conclude that there indeed is a difference between the proportion of battery-related reviews among good reviews and bad reviews.</a:t>
-            </a:r>
-          </a:p>
-        </p:txBody>
-      </p:sp>
-    </p:spTree>
-    <p:extLst>
-      <p:ext uri="{BB962C8B-B14F-4D97-AF65-F5344CB8AC3E}">
-        <p14:creationId xmlns:p14="http://schemas.microsoft.com/office/powerpoint/2010/main" val="4077661199"/>
-      </p:ext>
-    </p:extLst>
-  </p:cSld>
-  <p:clrMapOvr>
-    <a:masterClrMapping/>
-  </p:clrMapOvr>
-</p:sld>
-</file>
-
-<file path=ppt/slides/slide9.xml><?xml version="1.0" encoding="utf-8"?>
-<p:sld xmlns:a="http://schemas.openxmlformats.org/drawingml/2006/main" xmlns:r="http://schemas.openxmlformats.org/officeDocument/2006/relationships" xmlns:p="http://schemas.openxmlformats.org/presentationml/2006/main">
-  <p:cSld>
-    <p:bg>
-      <p:bgPr>
-        <a:solidFill>
-          <a:schemeClr val="bg1"/>
-        </a:solidFill>
-        <a:effectLst/>
-      </p:bgPr>
-    </p:bg>
-    <p:spTree>
-      <p:nvGrpSpPr>
-        <p:cNvPr id="1" name=""/>
-        <p:cNvGrpSpPr/>
-        <p:nvPr/>
-      </p:nvGrpSpPr>
-      <p:grpSpPr>
-        <a:xfrm>
-          <a:off x="0" y="0"/>
-          <a:ext cx="0" cy="0"/>
-          <a:chOff x="0" y="0"/>
-          <a:chExt cx="0" cy="0"/>
-        </a:xfrm>
-      </p:grpSpPr>
-      <p:sp>
-        <p:nvSpPr>
-          <p:cNvPr id="2" name="Title 1">
-            <a:extLst>
-              <a:ext uri="{FF2B5EF4-FFF2-40B4-BE49-F238E27FC236}">
-                <a16:creationId xmlns:a16="http://schemas.microsoft.com/office/drawing/2014/main" id="{713EF814-D7BC-8D41-986A-10423CB091EC}"/>
-              </a:ext>
-            </a:extLst>
-          </p:cNvPr>
-          <p:cNvSpPr>
-            <a:spLocks noGrp="1"/>
-          </p:cNvSpPr>
-          <p:nvPr>
-            <p:ph type="title"/>
-          </p:nvPr>
-        </p:nvSpPr>
-        <p:spPr>
-          <a:xfrm>
-            <a:off x="581192" y="702156"/>
-            <a:ext cx="11029616" cy="1013800"/>
-          </a:xfrm>
-        </p:spPr>
-        <p:txBody>
-          <a:bodyPr>
-            <a:normAutofit/>
-          </a:bodyPr>
-          <a:lstStyle/>
-          <a:p>
-            <a:r>
-              <a:rPr lang="en-US">
-                <a:solidFill>
-                  <a:srgbClr val="FFFFFF"/>
-                </a:solidFill>
-              </a:rPr>
-              <a:t>Bayesian A-B Testing</a:t>
-            </a:r>
-          </a:p>
-        </p:txBody>
-      </p:sp>
-      <p:sp>
-        <p:nvSpPr>
-          <p:cNvPr id="19" name="Rectangle 18">
-            <a:extLst>
-              <a:ext uri="{FF2B5EF4-FFF2-40B4-BE49-F238E27FC236}">
-                <a16:creationId xmlns:a16="http://schemas.microsoft.com/office/drawing/2014/main" id="{9E661D03-4DD4-45E7-A047-ED722E826D59}"/>
-              </a:ext>
-              <a:ext uri="{C183D7F6-B498-43B3-948B-1728B52AA6E4}">
-                <adec:decorative xmlns:adec="http://schemas.microsoft.com/office/drawing/2017/decorative" val="1"/>
-              </a:ext>
-            </a:extLst>
-          </p:cNvPr>
-          <p:cNvSpPr>
-            <a:spLocks noGrp="1" noRot="1" noChangeAspect="1" noMove="1" noResize="1" noEditPoints="1" noAdjustHandles="1" noChangeArrowheads="1" noChangeShapeType="1" noTextEdit="1"/>
-          </p:cNvSpPr>
-          <p:nvPr>
-            <p:extLst>
-              <p:ext uri="{386F3935-93C4-4BCD-93E2-E3B085C9AB24}">
-                <p16:designElem xmlns:p16="http://schemas.microsoft.com/office/powerpoint/2015/main" val="1"/>
-              </p:ext>
-            </p:extLst>
-          </p:nvPr>
-        </p:nvSpPr>
-        <p:spPr>
-          <a:xfrm>
-            <a:off x="446533" y="2180496"/>
-            <a:ext cx="5404639" cy="4045683"/>
-          </a:xfrm>
-          <a:prstGeom prst="rect">
-            <a:avLst/>
-          </a:prstGeom>
-          <a:solidFill>
-            <a:schemeClr val="bg1"/>
-          </a:solidFill>
-          <a:ln w="38100">
-            <a:solidFill>
-              <a:schemeClr val="accent1"/>
-            </a:solidFill>
-          </a:ln>
-        </p:spPr>
-        <p:style>
-          <a:lnRef idx="2">
-            <a:schemeClr val="accent1">
-              <a:shade val="50000"/>
-            </a:schemeClr>
-          </a:lnRef>
-          <a:fillRef idx="1">
-            <a:schemeClr val="accent1"/>
-          </a:fillRef>
-          <a:effectRef idx="0">
-            <a:schemeClr val="accent1"/>
-          </a:effectRef>
-          <a:fontRef idx="minor">
-            <a:schemeClr val="lt1"/>
-          </a:fontRef>
-        </p:style>
-        <p:txBody>
-          <a:bodyPr rtlCol="0" anchor="ctr"/>
-          <a:lstStyle/>
-          <a:p>
-            <a:pPr algn="ctr"/>
-            <a:endParaRPr lang="en-US"/>
-          </a:p>
-        </p:txBody>
-      </p:sp>
-      <p:pic>
-        <p:nvPicPr>
-          <p:cNvPr id="14" name="Content Placeholder 10">
-            <a:extLst>
-              <a:ext uri="{FF2B5EF4-FFF2-40B4-BE49-F238E27FC236}">
-                <a16:creationId xmlns:a16="http://schemas.microsoft.com/office/drawing/2014/main" id="{16815032-062F-434B-92D8-77E1ADC059A5}"/>
-              </a:ext>
-            </a:extLst>
-          </p:cNvPr>
-          <p:cNvPicPr>
-            <a:picLocks noChangeAspect="1"/>
-          </p:cNvPicPr>
-          <p:nvPr/>
-        </p:nvPicPr>
-        <p:blipFill>
-          <a:blip r:embed="rId2"/>
-          <a:stretch>
-            <a:fillRect/>
-          </a:stretch>
-        </p:blipFill>
-        <p:spPr>
-          <a:xfrm>
-            <a:off x="657225" y="2984468"/>
-            <a:ext cx="4962525" cy="2402395"/>
-          </a:xfrm>
-          <a:prstGeom prst="rect">
-            <a:avLst/>
-          </a:prstGeom>
-        </p:spPr>
-      </p:pic>
-      <p:sp>
-        <p:nvSpPr>
-          <p:cNvPr id="16" name="Content Placeholder 15">
-            <a:extLst>
-              <a:ext uri="{FF2B5EF4-FFF2-40B4-BE49-F238E27FC236}">
-                <a16:creationId xmlns:a16="http://schemas.microsoft.com/office/drawing/2014/main" id="{608D645A-A5D2-429C-811E-2D06AA591D31}"/>
-              </a:ext>
-            </a:extLst>
-          </p:cNvPr>
-          <p:cNvSpPr>
-            <a:spLocks noGrp="1"/>
-          </p:cNvSpPr>
-          <p:nvPr>
-            <p:ph idx="1"/>
-          </p:nvPr>
-        </p:nvSpPr>
-        <p:spPr>
-          <a:xfrm>
-            <a:off x="6335805" y="2180496"/>
-            <a:ext cx="5275001" cy="4045683"/>
-          </a:xfrm>
-        </p:spPr>
-        <p:txBody>
-          <a:bodyPr>
-            <a:normAutofit/>
-          </a:bodyPr>
-          <a:lstStyle/>
-          <a:p>
-            <a:r>
-              <a:rPr lang="en-US" b="1" dirty="0"/>
-              <a:t>Online systems </a:t>
-            </a:r>
-            <a:r>
-              <a:rPr lang="en-US" dirty="0"/>
-              <a:t>– need quick decisions, can live with uncertainty: Data streams in over time.</a:t>
-            </a:r>
-          </a:p>
-          <a:p>
-            <a:r>
-              <a:rPr lang="en-US" dirty="0"/>
-              <a:t>Uses conjugate prior / posteriors to update belief in % good versus % bad reviews.</a:t>
-            </a:r>
-          </a:p>
-        </p:txBody>
-      </p:sp>
-    </p:spTree>
-    <p:extLst>
-      <p:ext uri="{BB962C8B-B14F-4D97-AF65-F5344CB8AC3E}">
-        <p14:creationId xmlns:p14="http://schemas.microsoft.com/office/powerpoint/2010/main" val="2806645218"/>
       </p:ext>
     </p:extLst>
   </p:cSld>
